--- a/IntroSlides.pptx
+++ b/IntroSlides.pptx
@@ -228,7 +228,7 @@
             <a:pPr>
               <a:defRPr/>
             </a:pPr>
-            <a:endParaRPr lang="en-US"/>
+            <a:endParaRPr lang="en-US" dirty="0"/>
           </a:p>
         </p:txBody>
       </p:sp>
@@ -275,9 +275,9 @@
               <a:pPr>
                 <a:defRPr/>
               </a:pPr>
-              <a:t>4/10/19</a:t>
+              <a:t>4/13/19</a:t>
             </a:fld>
-            <a:endParaRPr lang="en-US"/>
+            <a:endParaRPr lang="en-US" dirty="0"/>
           </a:p>
         </p:txBody>
       </p:sp>
@@ -319,7 +319,7 @@
             <a:pPr>
               <a:defRPr/>
             </a:pPr>
-            <a:endParaRPr lang="en-US"/>
+            <a:endParaRPr lang="en-US" dirty="0"/>
           </a:p>
         </p:txBody>
       </p:sp>
@@ -368,7 +368,7 @@
               </a:pPr>
               <a:t>‹#›</a:t>
             </a:fld>
-            <a:endParaRPr lang="en-US"/>
+            <a:endParaRPr lang="en-US" dirty="0"/>
           </a:p>
         </p:txBody>
       </p:sp>
@@ -438,7 +438,7 @@
             <a:pPr>
               <a:defRPr/>
             </a:pPr>
-            <a:endParaRPr lang="en-US"/>
+            <a:endParaRPr lang="en-US" dirty="0"/>
           </a:p>
         </p:txBody>
       </p:sp>
@@ -485,9 +485,9 @@
               <a:pPr>
                 <a:defRPr/>
               </a:pPr>
-              <a:t>4/10/19</a:t>
+              <a:t>4/13/19</a:t>
             </a:fld>
-            <a:endParaRPr lang="en-US"/>
+            <a:endParaRPr lang="en-US" dirty="0"/>
           </a:p>
         </p:txBody>
       </p:sp>
@@ -521,7 +521,7 @@
           <a:lstStyle/>
           <a:p>
             <a:pPr lvl="0"/>
-            <a:endParaRPr lang="en-US" noProof="0"/>
+            <a:endParaRPr lang="en-US" noProof="0" dirty="0"/>
           </a:p>
         </p:txBody>
       </p:sp>
@@ -622,7 +622,7 @@
             <a:pPr>
               <a:defRPr/>
             </a:pPr>
-            <a:endParaRPr lang="en-US"/>
+            <a:endParaRPr lang="en-US" dirty="0"/>
           </a:p>
         </p:txBody>
       </p:sp>
@@ -671,7 +671,7 @@
               </a:pPr>
               <a:t>‹#›</a:t>
             </a:fld>
-            <a:endParaRPr lang="en-US"/>
+            <a:endParaRPr lang="en-US" dirty="0"/>
           </a:p>
         </p:txBody>
       </p:sp>
@@ -976,7 +976,7 @@
               </a:pPr>
               <a:t>‹#›</a:t>
             </a:fld>
-            <a:endParaRPr lang="en-US"/>
+            <a:endParaRPr lang="en-US" dirty="0"/>
           </a:p>
         </p:txBody>
       </p:sp>
@@ -1392,7 +1392,7 @@
               </a:pPr>
               <a:t>‹#›</a:t>
             </a:fld>
-            <a:endParaRPr lang="en-US"/>
+            <a:endParaRPr lang="en-US" dirty="0"/>
           </a:p>
         </p:txBody>
       </p:sp>
@@ -1435,7 +1435,7 @@
             </a:lvl1pPr>
           </a:lstStyle>
           <a:p>
-            <a:endParaRPr lang="en-GB"/>
+            <a:endParaRPr lang="en-GB" dirty="0"/>
           </a:p>
         </p:txBody>
       </p:sp>
@@ -1920,7 +1920,7 @@
           <a:lstStyle/>
           <a:p>
             <a:r>
-              <a:rPr lang="en-US"/>
+              <a:rPr lang="en-US" dirty="0"/>
               <a:t>FAIR Data Hackathon: BioAssay Protocols</a:t>
             </a:r>
           </a:p>
@@ -1947,10 +1947,49 @@
           <a:bodyPr/>
           <a:lstStyle/>
           <a:p>
-            <a:r>
-              <a:rPr lang="en-US"/>
-              <a:t>...</a:t>
-            </a:r>
+            <a:pPr marL="0" indent="0" algn="ctr">
+              <a:buNone/>
+            </a:pPr>
+            <a:endParaRPr lang="en-US" sz="4000" b="1" i="1" dirty="0"/>
+          </a:p>
+          <a:p>
+            <a:pPr marL="0" indent="0" algn="ctr">
+              <a:buNone/>
+            </a:pPr>
+            <a:endParaRPr lang="en-US" sz="4000" b="1" i="1" dirty="0"/>
+          </a:p>
+          <a:p>
+            <a:pPr marL="0" indent="0" algn="ctr">
+              <a:buNone/>
+            </a:pPr>
+            <a:r>
+              <a:rPr lang="en-US" sz="4000" b="1" i="1" dirty="0"/>
+              <a:t>The right way should be the easy way</a:t>
+            </a:r>
+          </a:p>
+          <a:p>
+            <a:pPr marL="0" indent="0" algn="ctr">
+              <a:buNone/>
+            </a:pPr>
+            <a:r>
+              <a:rPr lang="en-US" sz="1800" dirty="0"/>
+              <a:t>Applying FAIR data principles should not be a burden to the scientist, </a:t>
+            </a:r>
+          </a:p>
+          <a:p>
+            <a:pPr marL="0" indent="0" algn="ctr">
+              <a:buNone/>
+            </a:pPr>
+            <a:r>
+              <a:rPr lang="en-US" sz="1800" dirty="0"/>
+              <a:t>if they are, how could we ever hope for universally implementation?</a:t>
+            </a:r>
+          </a:p>
+          <a:p>
+            <a:pPr marL="0" indent="0">
+              <a:buNone/>
+            </a:pPr>
+            <a:endParaRPr lang="en-US" i="1" dirty="0"/>
           </a:p>
         </p:txBody>
       </p:sp>
@@ -2006,7 +2045,7 @@
           <a:lstStyle/>
           <a:p>
             <a:r>
-              <a:rPr lang="en-US"/>
+              <a:rPr lang="en-US" dirty="0"/>
               <a:t>Goals</a:t>
             </a:r>
           </a:p>
@@ -2034,101 +2073,89 @@
           <a:lstStyle/>
           <a:p>
             <a:r>
-              <a:rPr lang="en-US"/>
+              <a:rPr lang="en-US" dirty="0"/>
               <a:t>Bioassay experiments should provide a minimum amount of information to be FAIR (even in principle)</a:t>
             </a:r>
           </a:p>
           <a:p>
             <a:r>
-              <a:rPr lang="en-US"/>
+              <a:rPr lang="en-US" dirty="0"/>
               <a:t>Created 5 templates based on published recommendations:</a:t>
             </a:r>
           </a:p>
           <a:p>
             <a:pPr lvl="1"/>
             <a:r>
-              <a:rPr lang="en-US" b="1"/>
+              <a:rPr lang="en-US" b="1" dirty="0"/>
               <a:t>NextGen Sequencing</a:t>
             </a:r>
             <a:r>
-              <a:rPr lang="en-US"/>
-              <a:t>: {</a:t>
-            </a:r>
-            <a:r>
-              <a:rPr lang="en-US">
-                <a:highlight>
-                  <a:srgbClr val="FFFF00"/>
-                </a:highlight>
-              </a:rPr>
-              <a:t>about</a:t>
-            </a:r>
-            <a:r>
-              <a:rPr lang="en-US"/>
-              <a:t>}</a:t>
+              <a:rPr lang="en-US" dirty="0"/>
+              <a:t>: Suggested metadata submission information for the Sequence Read Archive</a:t>
             </a:r>
           </a:p>
           <a:p>
             <a:pPr lvl="1"/>
             <a:r>
-              <a:rPr lang="en-US" b="1"/>
+              <a:rPr lang="en-US" b="1" dirty="0"/>
               <a:t>MIARE</a:t>
             </a:r>
             <a:r>
-              <a:rPr lang="en-US"/>
+              <a:rPr lang="en-US" dirty="0"/>
               <a:t>: Minimum Information About an RNAi Experiment</a:t>
             </a:r>
           </a:p>
           <a:p>
             <a:pPr lvl="1"/>
             <a:r>
-              <a:rPr lang="en-US" b="1"/>
+              <a:rPr lang="en-US" b="1" dirty="0"/>
               <a:t>MIFlowCyt</a:t>
             </a:r>
             <a:r>
-              <a:rPr lang="en-US"/>
+              <a:rPr lang="en-US" dirty="0"/>
               <a:t>: </a:t>
             </a:r>
             <a:r>
-              <a:rPr lang="en-CA"/>
+              <a:rPr lang="en-CA" dirty="0"/>
               <a:t>The Minimum Information About a Flow Cytometry Experiment</a:t>
             </a:r>
-            <a:endParaRPr lang="en-US"/>
+            <a:endParaRPr lang="en-US" dirty="0"/>
           </a:p>
           <a:p>
             <a:pPr lvl="1"/>
             <a:r>
-              <a:rPr lang="en-US" b="1"/>
+              <a:rPr lang="en-US" b="1" dirty="0"/>
               <a:t>MIQE</a:t>
             </a:r>
             <a:r>
-              <a:rPr lang="en-US"/>
+              <a:rPr lang="en-US" dirty="0"/>
               <a:t>: </a:t>
             </a:r>
             <a:r>
-              <a:rPr lang="en-CA"/>
+              <a:rPr lang="en-CA" dirty="0"/>
               <a:t>Minimum Information for Publication of Quantitative Real-Time PCR Experiments</a:t>
             </a:r>
-            <a:endParaRPr lang="en-US"/>
+            <a:endParaRPr lang="en-US" dirty="0"/>
           </a:p>
           <a:p>
             <a:pPr lvl="1"/>
             <a:r>
-              <a:rPr lang="en-US" b="1"/>
+              <a:rPr lang="en-US" b="1" dirty="0"/>
               <a:t>MISFISHIE</a:t>
             </a:r>
             <a:r>
-              <a:rPr lang="en-US"/>
+              <a:rPr lang="en-US" dirty="0"/>
               <a:t>: </a:t>
             </a:r>
             <a:r>
-              <a:rPr lang="en-CA"/>
+              <a:rPr lang="en-CA" dirty="0"/>
               <a:t>Minimum information specification for in situ hybridization and immunohistochemistry experiments</a:t>
             </a:r>
-            <a:endParaRPr lang="en-US"/>
-          </a:p>
-          <a:p>
-            <a:r>
-              <a:rPr lang="en-US"/>
+            <a:endParaRPr lang="en-US" dirty="0"/>
+          </a:p>
+          <a:p>
+            <a:r>
+              <a:rPr lang="en-US" dirty="0"/>
               <a:t>Customized the BioAssay Express for this purpose:</a:t>
             </a:r>
           </a:p>
@@ -2137,7 +2164,7 @@
               <a:buNone/>
             </a:pPr>
             <a:r>
-              <a:rPr lang="en-US" sz="4000">
+              <a:rPr lang="en-US" sz="4000" dirty="0">
                 <a:solidFill>
                   <a:schemeClr val="accent1"/>
                 </a:solidFill>
@@ -2147,7 +2174,7 @@
           </a:p>
           <a:p>
             <a:r>
-              <a:rPr lang="en-US"/>
+              <a:rPr lang="en-US" dirty="0"/>
               <a:t>Select publications – and try to annotate them. How well will they fare?</a:t>
             </a:r>
           </a:p>
@@ -2205,8 +2232,8 @@
           <a:lstStyle/>
           <a:p>
             <a:r>
-              <a:rPr lang="en-US"/>
-              <a:t>NextGen Sequencing</a:t>
+              <a:rPr lang="en-US" dirty="0"/>
+              <a:t>NextGen Sequencing: Metadata Submission</a:t>
             </a:r>
           </a:p>
         </p:txBody>
@@ -2229,48 +2256,43 @@
         </p:nvSpPr>
         <p:spPr>
           <a:xfrm>
-            <a:off x="299779" y="1036321"/>
-            <a:ext cx="5997990" cy="5200371"/>
+            <a:off x="299778" y="1036321"/>
+            <a:ext cx="6768841" cy="5200371"/>
           </a:xfrm>
         </p:spPr>
         <p:txBody>
           <a:bodyPr/>
           <a:lstStyle/>
           <a:p>
-            <a:r>
-              <a:rPr lang="en-US"/>
-              <a:t>{</a:t>
-            </a:r>
-            <a:r>
-              <a:rPr lang="en-US">
-                <a:highlight>
-                  <a:srgbClr val="FFFF00"/>
-                </a:highlight>
+            <a:pPr algn="just"/>
+            <a:r>
+              <a:rPr lang="en-US" dirty="0"/>
+              <a:t>Deposition of NGS data (i.e.: RNA-seq, ChIP-Seq, Hi-C, etc) into NCBI’s sequence read archive (SRA) is highly encouraged for publications.  </a:t>
+            </a:r>
+          </a:p>
+          <a:p>
+            <a:pPr algn="just"/>
+            <a:r>
+              <a:rPr lang="en-US" dirty="0"/>
+              <a:t>Raw data promotes reproducibility and allows for new discoveries by comparing data sets.  </a:t>
+            </a:r>
+          </a:p>
+          <a:p>
+            <a:pPr algn="just"/>
+            <a:r>
+              <a:rPr lang="en-US" dirty="0"/>
+              <a:t>Metadata submission is done through excel sheets or a wizard, while basic vocabulary is controlled through excel data validation, ontologies are not enforced</a:t>
+            </a:r>
+          </a:p>
+          <a:p>
+            <a:pPr algn="just"/>
+            <a:r>
+              <a:rPr lang="en-US" dirty="0">
+                <a:hlinkClick r:id="rId2"/>
               </a:rPr>
-              <a:t>what it describes</a:t>
-            </a:r>
-            <a:r>
-              <a:rPr lang="en-US"/>
-              <a:t>}</a:t>
-            </a:r>
-          </a:p>
-          <a:p>
-            <a:r>
-              <a:rPr lang="en-US"/>
-              <a:t>{</a:t>
-            </a:r>
-            <a:r>
-              <a:rPr lang="en-US">
-                <a:highlight>
-                  <a:srgbClr val="FFFF00"/>
-                </a:highlight>
-              </a:rPr>
-              <a:t>reference</a:t>
-            </a:r>
-            <a:r>
-              <a:rPr lang="en-US"/>
-              <a:t>}</a:t>
-            </a:r>
+              <a:t>https://www.ncbi.nlm.nih.gov/sra</a:t>
+            </a:r>
+            <a:endParaRPr lang="en-US" dirty="0"/>
           </a:p>
         </p:txBody>
       </p:sp>
@@ -2289,7 +2311,7 @@
           <p:nvPr/>
         </p:nvPicPr>
         <p:blipFill>
-          <a:blip r:embed="rId2"/>
+          <a:blip r:embed="rId3"/>
           <a:stretch>
             <a:fillRect/>
           </a:stretch>
@@ -2356,8 +2378,8 @@
           <a:lstStyle/>
           <a:p>
             <a:r>
-              <a:rPr lang="en-US"/>
-              <a:t>MIARE</a:t>
+              <a:rPr lang="en-US" dirty="0"/>
+              <a:t>MIARE: Minimum information about an RNAi Experiment</a:t>
             </a:r>
           </a:p>
         </p:txBody>
@@ -2389,26 +2411,20 @@
           <a:lstStyle/>
           <a:p>
             <a:r>
-              <a:rPr lang="en-US"/>
-              <a:t>{</a:t>
-            </a:r>
-            <a:r>
-              <a:rPr lang="en-US">
-                <a:highlight>
-                  <a:srgbClr val="FFFF00"/>
-                </a:highlight>
-              </a:rPr>
-              <a:t>what it describes</a:t>
-            </a:r>
-            <a:r>
-              <a:rPr lang="en-US"/>
-              <a:t>}</a:t>
-            </a:r>
-          </a:p>
-          <a:p>
-            <a:r>
-              <a:rPr lang="en-US" b="1"/>
-              <a:t>www.miare.org</a:t>
+              <a:rPr lang="en-US" dirty="0"/>
+              <a:t>The RNAi Global Initiative introduced MIARE to decrease ambiguity of results, increase reproducibility, and enable easier sharing and comparison of RNAi data.  </a:t>
+            </a:r>
+          </a:p>
+          <a:p>
+            <a:r>
+              <a:rPr lang="en-US" dirty="0"/>
+              <a:t>Excel spreadsheets are currently used to capture data, vocabulary is not controlled, and ontologies while suggested are not enforced.  </a:t>
+            </a:r>
+          </a:p>
+          <a:p>
+            <a:r>
+              <a:rPr lang="en-US" b="1" dirty="0"/>
+              <a:t>www.miare.sourceforge.net</a:t>
             </a:r>
           </a:p>
         </p:txBody>
@@ -2521,13 +2537,20 @@
         </p:nvSpPr>
         <p:spPr/>
         <p:txBody>
-          <a:bodyPr/>
+          <a:bodyPr>
+            <a:noAutofit/>
+          </a:bodyPr>
           <a:lstStyle/>
           <a:p>
             <a:r>
-              <a:rPr lang="en-US"/>
-              <a:t>MIFlowCyt</a:t>
-            </a:r>
+              <a:rPr lang="en-US" sz="2300" dirty="0"/>
+              <a:t>MIFlowCyt: </a:t>
+            </a:r>
+            <a:r>
+              <a:rPr lang="en-CA" sz="2300" dirty="0"/>
+              <a:t>Minimum Information About a Flow Cytometry Experiment</a:t>
+            </a:r>
+            <a:endParaRPr lang="en-US" sz="2300" dirty="0"/>
           </a:p>
         </p:txBody>
       </p:sp>
@@ -2558,35 +2581,35 @@
           <a:lstStyle/>
           <a:p>
             <a:r>
-              <a:rPr lang="en-US"/>
-              <a:t>{</a:t>
-            </a:r>
-            <a:r>
-              <a:rPr lang="en-US">
-                <a:highlight>
-                  <a:srgbClr val="FFFF00"/>
-                </a:highlight>
-              </a:rPr>
-              <a:t>what it describes</a:t>
-            </a:r>
-            <a:r>
-              <a:rPr lang="en-US"/>
-              <a:t>}</a:t>
-            </a:r>
-          </a:p>
-          <a:p>
-            <a:r>
-              <a:rPr lang="en-CA" b="1"/>
+              <a:rPr lang="en-US" dirty="0"/>
+              <a:t>Flow cytometry requires biological sample preparation, laboratory instrumentation, configurable capture software, and data analysis software.  MIFlowCyt was developed to be cross-disciplinary to reproducibly capture the details of a flow cytometry experiment.</a:t>
+            </a:r>
+          </a:p>
+          <a:p>
+            <a:r>
+              <a:rPr lang="en-US" dirty="0"/>
+              <a:t>FlowRepository was developed as a database to store these experiments based on MIFlowCyt standards.  </a:t>
+            </a:r>
+          </a:p>
+          <a:p>
+            <a:r>
+              <a:rPr lang="en-US" dirty="0"/>
+              <a:t>Submission incorporates user-submitted vocabulary and organism taxonomy, enforces input of required fields, but does not provide quality control over the user vocabulary list.  </a:t>
+            </a:r>
+          </a:p>
+          <a:p>
+            <a:r>
+              <a:rPr lang="en-CA" b="1" dirty="0"/>
               <a:t>Cytometry Part A</a:t>
             </a:r>
             <a:r>
-              <a:rPr lang="en-CA"/>
+              <a:rPr lang="en-CA" dirty="0"/>
               <a:t>, 73A: 926-930 (2008) DOI: 10.1002/cyto.a.20623</a:t>
             </a:r>
-            <a:endParaRPr lang="en-US"/>
-          </a:p>
-          <a:p>
-            <a:endParaRPr lang="en-US"/>
+            <a:endParaRPr lang="en-US" dirty="0"/>
+          </a:p>
+          <a:p>
+            <a:endParaRPr lang="en-US" dirty="0"/>
           </a:p>
         </p:txBody>
       </p:sp>
@@ -2668,13 +2691,20 @@
         </p:nvSpPr>
         <p:spPr/>
         <p:txBody>
-          <a:bodyPr/>
+          <a:bodyPr>
+            <a:noAutofit/>
+          </a:bodyPr>
           <a:lstStyle/>
           <a:p>
             <a:r>
-              <a:rPr lang="en-US"/>
-              <a:t>MIQE</a:t>
-            </a:r>
+              <a:rPr lang="en-US" sz="1800" dirty="0"/>
+              <a:t>MIQE: </a:t>
+            </a:r>
+            <a:r>
+              <a:rPr lang="en-CA" sz="1800" dirty="0"/>
+              <a:t>Minimum Information for Publication of Quantitative Real-Time PCR Experiments</a:t>
+            </a:r>
+            <a:endParaRPr lang="en-US" sz="1800" dirty="0"/>
           </a:p>
         </p:txBody>
       </p:sp>
@@ -2705,33 +2735,33 @@
           <a:lstStyle/>
           <a:p>
             <a:r>
-              <a:rPr lang="en-US"/>
-              <a:t>{</a:t>
-            </a:r>
-            <a:r>
-              <a:rPr lang="en-US">
-                <a:highlight>
-                  <a:srgbClr val="FFFF00"/>
-                </a:highlight>
-              </a:rPr>
-              <a:t>what it describes</a:t>
-            </a:r>
-            <a:r>
-              <a:rPr lang="en-US"/>
-              <a:t>}</a:t>
-            </a:r>
-          </a:p>
-          <a:p>
-            <a:r>
-              <a:rPr lang="en-US" b="1"/>
+              <a:rPr lang="en-US" dirty="0"/>
+              <a:t>qPCR experiments can require a significant amount of optimization, from nucleic acid, to primer design, to thermocycling conditions.  </a:t>
+            </a:r>
+          </a:p>
+          <a:p>
+            <a:r>
+              <a:rPr lang="en-US" dirty="0"/>
+              <a:t>MIQE standards were develop to give greater value to qPCR experiments by capturing details, facilitating reproducibility, and allowing reviewers to assess the technical quality of the experiments.  </a:t>
+            </a:r>
+          </a:p>
+          <a:p>
+            <a:r>
+              <a:rPr lang="en-US" dirty="0"/>
+              <a:t>While well-documented definitions for required and suggested metadata fields are provided, there is no community template nor controlled vocabulary terms.  </a:t>
+            </a:r>
+          </a:p>
+          <a:p>
+            <a:r>
+              <a:rPr lang="en-US" b="1" dirty="0"/>
               <a:t>Clinical Chemistry</a:t>
             </a:r>
             <a:r>
-              <a:rPr lang="en-US"/>
+              <a:rPr lang="en-US" dirty="0"/>
               <a:t> 55:4, 611–622 (2009) DOI: </a:t>
             </a:r>
             <a:r>
-              <a:rPr lang="en-CA"/>
+              <a:rPr lang="en-CA" dirty="0"/>
               <a:t>10.1373/clinchem.2008.112797 </a:t>
             </a:r>
           </a:p>
@@ -2739,7 +2769,7 @@
             <a:pPr marL="0" indent="0">
               <a:buNone/>
             </a:pPr>
-            <a:endParaRPr lang="en-US"/>
+            <a:endParaRPr lang="en-US" dirty="0"/>
           </a:p>
         </p:txBody>
       </p:sp>
@@ -2851,13 +2881,34 @@
         </p:nvSpPr>
         <p:spPr/>
         <p:txBody>
-          <a:bodyPr/>
+          <a:bodyPr>
+            <a:noAutofit/>
+          </a:bodyPr>
           <a:lstStyle/>
           <a:p>
             <a:r>
-              <a:rPr lang="en-US"/>
-              <a:t>MISFISHIE</a:t>
-            </a:r>
+              <a:rPr lang="en-US" sz="2000" dirty="0"/>
+              <a:t>MISFISHIE: </a:t>
+            </a:r>
+            <a:r>
+              <a:rPr lang="en-CA" sz="2000" dirty="0"/>
+              <a:t>Minimum information specification for </a:t>
+            </a:r>
+            <a:r>
+              <a:rPr lang="en-CA" sz="2000" i="1" dirty="0"/>
+              <a:t>in situ</a:t>
+            </a:r>
+            <a:r>
+              <a:rPr lang="en-CA" sz="2000" dirty="0"/>
+              <a:t> hybridization and immunohistochemistry experiments</a:t>
+            </a:r>
+            <a:br>
+              <a:rPr lang="en-US" sz="2000" dirty="0"/>
+            </a:br>
+            <a:br>
+              <a:rPr lang="en-US" sz="2000" dirty="0"/>
+            </a:br>
+            <a:endParaRPr lang="en-US" sz="2000" dirty="0"/>
           </a:p>
         </p:txBody>
       </p:sp>
@@ -2888,34 +2939,34 @@
           <a:lstStyle/>
           <a:p>
             <a:r>
-              <a:rPr lang="en-US"/>
-              <a:t>{</a:t>
-            </a:r>
-            <a:r>
-              <a:rPr lang="en-US">
-                <a:highlight>
-                  <a:srgbClr val="FFFF00"/>
-                </a:highlight>
-              </a:rPr>
-              <a:t>what it describes</a:t>
-            </a:r>
-            <a:r>
-              <a:rPr lang="en-US"/>
-              <a:t>}</a:t>
-            </a:r>
-          </a:p>
-          <a:p>
-            <a:r>
-              <a:rPr lang="en-US" b="1"/>
+              <a:rPr lang="en-US" dirty="0"/>
+              <a:t>ISH/IHC experiments uniquely describe spatial domains and localization within cell types and tissues.  Images are often provided with the information necessary to repeat or critically assess the experiment</a:t>
+            </a:r>
+          </a:p>
+          <a:p>
+            <a:r>
+              <a:rPr lang="en-US" dirty="0"/>
+              <a:t>MISFISHIE provide comprehensive guidelines to capture imaging data including sample preparation, detection reagents, staining protocols, image acquisition and analysis.</a:t>
+            </a:r>
+          </a:p>
+          <a:p>
+            <a:r>
+              <a:rPr lang="en-US" dirty="0"/>
+              <a:t>Ontologies are suggested, but spreadsheets instruct users to visit ontology sites and copy/paste terms.  There is no enforcement of the ontologies and no easy manner to directly incorporate terms to a template. </a:t>
+            </a:r>
+          </a:p>
+          <a:p>
+            <a:r>
+              <a:rPr lang="en-US" b="1" dirty="0"/>
               <a:t>Nature Biotechnology</a:t>
             </a:r>
             <a:r>
-              <a:rPr lang="en-US"/>
+              <a:rPr lang="en-US" dirty="0"/>
               <a:t> 26, 305-312 (2008) DOI: 10.1038/nbt1391</a:t>
             </a:r>
           </a:p>
           <a:p>
-            <a:endParaRPr lang="en-US"/>
+            <a:endParaRPr lang="en-US" dirty="0"/>
           </a:p>
         </p:txBody>
       </p:sp>
